--- a/16HandlerModule.pptx
+++ b/16HandlerModule.pptx
@@ -9,11 +9,11 @@
   </p:notesMasterIdLst>
   <p:sldIdLst>
     <p:sldId id="256" r:id="rId2"/>
-    <p:sldId id="261" r:id="rId3"/>
-    <p:sldId id="262" r:id="rId4"/>
-    <p:sldId id="263" r:id="rId5"/>
-    <p:sldId id="264" r:id="rId6"/>
-    <p:sldId id="260" r:id="rId7"/>
+    <p:sldId id="265" r:id="rId3"/>
+    <p:sldId id="261" r:id="rId4"/>
+    <p:sldId id="262" r:id="rId5"/>
+    <p:sldId id="263" r:id="rId6"/>
+    <p:sldId id="264" r:id="rId7"/>
   </p:sldIdLst>
   <p:sldSz cx="12192000" cy="6858000"/>
   <p:notesSz cx="6858000" cy="9144000"/>
@@ -202,7 +202,7 @@
           <a:p>
             <a:fld id="{86035F98-A1BD-4CEA-97BE-8B0B3D35457A}" type="datetimeFigureOut">
               <a:rPr lang="de-DE" smtClean="0"/>
-              <a:t>02.06.2017</a:t>
+              <a:t>07.06.2018</a:t>
             </a:fld>
             <a:endParaRPr lang="de-DE"/>
           </a:p>
@@ -598,7 +598,7 @@
           <a:p>
             <a:fld id="{D92B96C3-1F42-476F-BF68-0478C74608EE}" type="datetimeFigureOut">
               <a:rPr lang="de-DE" smtClean="0"/>
-              <a:t>02.06.2017</a:t>
+              <a:t>07.06.2018</a:t>
             </a:fld>
             <a:endParaRPr lang="de-DE"/>
           </a:p>
@@ -766,7 +766,7 @@
           <a:p>
             <a:fld id="{D92B96C3-1F42-476F-BF68-0478C74608EE}" type="datetimeFigureOut">
               <a:rPr lang="de-DE" smtClean="0"/>
-              <a:t>02.06.2017</a:t>
+              <a:t>07.06.2018</a:t>
             </a:fld>
             <a:endParaRPr lang="de-DE"/>
           </a:p>
@@ -944,7 +944,7 @@
           <a:p>
             <a:fld id="{D92B96C3-1F42-476F-BF68-0478C74608EE}" type="datetimeFigureOut">
               <a:rPr lang="de-DE" smtClean="0"/>
-              <a:t>02.06.2017</a:t>
+              <a:t>07.06.2018</a:t>
             </a:fld>
             <a:endParaRPr lang="de-DE"/>
           </a:p>
@@ -1112,7 +1112,7 @@
           <a:p>
             <a:fld id="{D92B96C3-1F42-476F-BF68-0478C74608EE}" type="datetimeFigureOut">
               <a:rPr lang="de-DE" smtClean="0"/>
-              <a:t>02.06.2017</a:t>
+              <a:t>07.06.2018</a:t>
             </a:fld>
             <a:endParaRPr lang="de-DE"/>
           </a:p>
@@ -1357,7 +1357,7 @@
           <a:p>
             <a:fld id="{D92B96C3-1F42-476F-BF68-0478C74608EE}" type="datetimeFigureOut">
               <a:rPr lang="de-DE" smtClean="0"/>
-              <a:t>02.06.2017</a:t>
+              <a:t>07.06.2018</a:t>
             </a:fld>
             <a:endParaRPr lang="de-DE"/>
           </a:p>
@@ -1586,7 +1586,7 @@
           <a:p>
             <a:fld id="{D92B96C3-1F42-476F-BF68-0478C74608EE}" type="datetimeFigureOut">
               <a:rPr lang="de-DE" smtClean="0"/>
-              <a:t>02.06.2017</a:t>
+              <a:t>07.06.2018</a:t>
             </a:fld>
             <a:endParaRPr lang="de-DE"/>
           </a:p>
@@ -1950,7 +1950,7 @@
           <a:p>
             <a:fld id="{D92B96C3-1F42-476F-BF68-0478C74608EE}" type="datetimeFigureOut">
               <a:rPr lang="de-DE" smtClean="0"/>
-              <a:t>02.06.2017</a:t>
+              <a:t>07.06.2018</a:t>
             </a:fld>
             <a:endParaRPr lang="de-DE"/>
           </a:p>
@@ -2067,7 +2067,7 @@
           <a:p>
             <a:fld id="{D92B96C3-1F42-476F-BF68-0478C74608EE}" type="datetimeFigureOut">
               <a:rPr lang="de-DE" smtClean="0"/>
-              <a:t>02.06.2017</a:t>
+              <a:t>07.06.2018</a:t>
             </a:fld>
             <a:endParaRPr lang="de-DE"/>
           </a:p>
@@ -2162,7 +2162,7 @@
           <a:p>
             <a:fld id="{D92B96C3-1F42-476F-BF68-0478C74608EE}" type="datetimeFigureOut">
               <a:rPr lang="de-DE" smtClean="0"/>
-              <a:t>02.06.2017</a:t>
+              <a:t>07.06.2018</a:t>
             </a:fld>
             <a:endParaRPr lang="de-DE"/>
           </a:p>
@@ -2437,7 +2437,7 @@
           <a:p>
             <a:fld id="{D92B96C3-1F42-476F-BF68-0478C74608EE}" type="datetimeFigureOut">
               <a:rPr lang="de-DE" smtClean="0"/>
-              <a:t>02.06.2017</a:t>
+              <a:t>07.06.2018</a:t>
             </a:fld>
             <a:endParaRPr lang="de-DE"/>
           </a:p>
@@ -2689,7 +2689,7 @@
           <a:p>
             <a:fld id="{D92B96C3-1F42-476F-BF68-0478C74608EE}" type="datetimeFigureOut">
               <a:rPr lang="de-DE" smtClean="0"/>
-              <a:t>02.06.2017</a:t>
+              <a:t>07.06.2018</a:t>
             </a:fld>
             <a:endParaRPr lang="de-DE"/>
           </a:p>
@@ -2900,7 +2900,7 @@
           <a:p>
             <a:fld id="{D92B96C3-1F42-476F-BF68-0478C74608EE}" type="datetimeFigureOut">
               <a:rPr lang="de-DE" smtClean="0"/>
-              <a:t>02.06.2017</a:t>
+              <a:t>07.06.2018</a:t>
             </a:fld>
             <a:endParaRPr lang="de-DE"/>
           </a:p>
@@ -3472,7 +3472,11 @@
           <a:p>
             <a:r>
               <a:rPr lang="de-DE" dirty="0" smtClean="0"/>
-              <a:t>Handler</a:t>
+              <a:t>Request </a:t>
+            </a:r>
+            <a:r>
+              <a:rPr lang="de-DE" dirty="0" err="1" smtClean="0"/>
+              <a:t>Pipline</a:t>
             </a:r>
             <a:endParaRPr lang="de-DE" dirty="0"/>
           </a:p>
@@ -3493,22 +3497,95 @@
           <a:bodyPr/>
           <a:lstStyle/>
           <a:p>
+            <a:r>
+              <a:rPr lang="de-DE" dirty="0" smtClean="0"/>
+              <a:t>Module erweitern</a:t>
+            </a:r>
+          </a:p>
+          <a:p>
+            <a:pPr lvl="1"/>
+            <a:r>
+              <a:rPr lang="de-DE" dirty="0"/>
+              <a:t> </a:t>
+            </a:r>
+            <a:r>
+              <a:rPr lang="de-DE" dirty="0" smtClean="0"/>
+              <a:t>vorhanden </a:t>
+            </a:r>
+            <a:r>
+              <a:rPr lang="de-DE" dirty="0" err="1" smtClean="0"/>
+              <a:t>Staticfilemodule</a:t>
+            </a:r>
+            <a:endParaRPr lang="de-DE" dirty="0" smtClean="0"/>
+          </a:p>
+          <a:p>
+            <a:pPr lvl="1"/>
+            <a:r>
+              <a:rPr lang="de-DE" dirty="0" err="1" smtClean="0"/>
+              <a:t>Web.Config</a:t>
+            </a:r>
+            <a:r>
+              <a:rPr lang="de-DE" dirty="0" smtClean="0"/>
+              <a:t> konfigurieren</a:t>
+            </a:r>
+          </a:p>
+          <a:p>
+            <a:pPr lvl="1"/>
+            <a:r>
+              <a:rPr lang="de-DE" dirty="0" smtClean="0"/>
+              <a:t>Beispiel: Wasserzeichen in Bilder einfügen</a:t>
+            </a:r>
+          </a:p>
+          <a:p>
+            <a:r>
+              <a:rPr lang="de-DE" dirty="0" smtClean="0"/>
+              <a:t>Handler spezielle Funktion</a:t>
+            </a:r>
+          </a:p>
+          <a:p>
+            <a:pPr lvl="1"/>
+            <a:r>
+              <a:rPr lang="de-DE" dirty="0" smtClean="0"/>
+              <a:t>Erweiterung </a:t>
+            </a:r>
+            <a:r>
+              <a:rPr lang="de-DE" dirty="0" err="1" smtClean="0"/>
+              <a:t>axd</a:t>
+            </a:r>
+            <a:endParaRPr lang="de-DE" dirty="0" smtClean="0"/>
+          </a:p>
+          <a:p>
+            <a:pPr lvl="1"/>
+            <a:r>
+              <a:rPr lang="de-DE" dirty="0" smtClean="0"/>
+              <a:t>Steuerung per Querystring</a:t>
+            </a:r>
+          </a:p>
+          <a:p>
+            <a:pPr lvl="1"/>
             <a:r>
               <a:rPr lang="de-DE" dirty="0" err="1" smtClean="0"/>
               <a:t>Trace.axd</a:t>
             </a:r>
+            <a:endParaRPr lang="de-DE" dirty="0" smtClean="0"/>
+          </a:p>
+          <a:p>
+            <a:pPr lvl="1"/>
             <a:r>
               <a:rPr lang="de-DE" dirty="0" smtClean="0"/>
-              <a:t> = Handler</a:t>
-            </a:r>
-          </a:p>
-          <a:p>
+              <a:t>Beispiel: </a:t>
+            </a:r>
+            <a:r>
+              <a:rPr lang="de-DE" dirty="0" err="1" smtClean="0"/>
+              <a:t>Thumbnails</a:t>
+            </a:r>
             <a:r>
               <a:rPr lang="de-DE" dirty="0" smtClean="0"/>
-              <a:t>Per Link Logik am Server ausführen</a:t>
-            </a:r>
-          </a:p>
-          <a:p>
+              <a:t> generieren</a:t>
+            </a:r>
+          </a:p>
+          <a:p>
+            <a:pPr lvl="1"/>
             <a:endParaRPr lang="de-DE" dirty="0"/>
           </a:p>
         </p:txBody>
@@ -3516,7 +3593,7 @@
     </p:spTree>
     <p:extLst>
       <p:ext uri="{BB962C8B-B14F-4D97-AF65-F5344CB8AC3E}">
-        <p14:creationId xmlns:p14="http://schemas.microsoft.com/office/powerpoint/2010/main" val="110871100"/>
+        <p14:creationId xmlns:p14="http://schemas.microsoft.com/office/powerpoint/2010/main" val="207834338"/>
       </p:ext>
     </p:extLst>
   </p:cSld>
@@ -3567,7 +3644,7 @@
           <a:p>
             <a:r>
               <a:rPr lang="de-DE" dirty="0" smtClean="0"/>
-              <a:t>Übung Grafikformate</a:t>
+              <a:t>Handler</a:t>
             </a:r>
             <a:endParaRPr lang="de-DE" dirty="0"/>
           </a:p>
@@ -3588,14 +3665,30 @@
           <a:bodyPr/>
           <a:lstStyle/>
           <a:p>
-            <a:endParaRPr lang="de-DE"/>
+            <a:r>
+              <a:rPr lang="de-DE" dirty="0" err="1" smtClean="0"/>
+              <a:t>Trace.axd</a:t>
+            </a:r>
+            <a:r>
+              <a:rPr lang="de-DE" dirty="0" smtClean="0"/>
+              <a:t> = Handler</a:t>
+            </a:r>
+          </a:p>
+          <a:p>
+            <a:r>
+              <a:rPr lang="de-DE" dirty="0" smtClean="0"/>
+              <a:t>Per Link Logik am Server ausführen</a:t>
+            </a:r>
+          </a:p>
+          <a:p>
+            <a:endParaRPr lang="de-DE" dirty="0"/>
           </a:p>
         </p:txBody>
       </p:sp>
     </p:spTree>
     <p:extLst>
       <p:ext uri="{BB962C8B-B14F-4D97-AF65-F5344CB8AC3E}">
-        <p14:creationId xmlns:p14="http://schemas.microsoft.com/office/powerpoint/2010/main" val="163900936"/>
+        <p14:creationId xmlns:p14="http://schemas.microsoft.com/office/powerpoint/2010/main" val="110871100"/>
       </p:ext>
     </p:extLst>
   </p:cSld>
@@ -3646,7 +3739,11 @@
           <a:p>
             <a:r>
               <a:rPr lang="de-DE" dirty="0" smtClean="0"/>
-              <a:t>Module</a:t>
+              <a:t>Übung </a:t>
+            </a:r>
+            <a:r>
+              <a:rPr lang="de-DE" dirty="0" err="1" smtClean="0"/>
+              <a:t>Thumbnail</a:t>
             </a:r>
             <a:endParaRPr lang="de-DE" dirty="0"/>
           </a:p>
@@ -3667,36 +3764,14 @@
           <a:bodyPr/>
           <a:lstStyle/>
           <a:p>
-            <a:r>
-              <a:rPr lang="de-DE" dirty="0" smtClean="0"/>
-              <a:t>Klasse </a:t>
-            </a:r>
-            <a:r>
-              <a:rPr lang="de-DE" dirty="0" err="1" smtClean="0"/>
-              <a:t>IHttpModule</a:t>
-            </a:r>
-            <a:r>
-              <a:rPr lang="de-DE" dirty="0" smtClean="0"/>
-              <a:t>  Interface</a:t>
-            </a:r>
-          </a:p>
-          <a:p>
-            <a:r>
-              <a:rPr lang="de-DE" dirty="0" smtClean="0"/>
-              <a:t>Muss </a:t>
-            </a:r>
-            <a:r>
-              <a:rPr lang="de-DE" smtClean="0"/>
-              <a:t>registriert werden</a:t>
-            </a:r>
-            <a:endParaRPr lang="de-DE" dirty="0"/>
+            <a:endParaRPr lang="de-DE"/>
           </a:p>
         </p:txBody>
       </p:sp>
     </p:spTree>
     <p:extLst>
       <p:ext uri="{BB962C8B-B14F-4D97-AF65-F5344CB8AC3E}">
-        <p14:creationId xmlns:p14="http://schemas.microsoft.com/office/powerpoint/2010/main" val="3624984478"/>
+        <p14:creationId xmlns:p14="http://schemas.microsoft.com/office/powerpoint/2010/main" val="163900936"/>
       </p:ext>
     </p:extLst>
   </p:cSld>
@@ -3747,39 +3822,53 @@
           <a:p>
             <a:r>
               <a:rPr lang="de-DE" dirty="0" smtClean="0"/>
-              <a:t>Übung </a:t>
+              <a:t>Module</a:t>
+            </a:r>
+            <a:endParaRPr lang="de-DE" dirty="0"/>
+          </a:p>
+        </p:txBody>
+      </p:sp>
+      <p:sp>
+        <p:nvSpPr>
+          <p:cNvPr id="3" name="Inhaltsplatzhalter 2"/>
+          <p:cNvSpPr>
+            <a:spLocks noGrp="1"/>
+          </p:cNvSpPr>
+          <p:nvPr>
+            <p:ph idx="1"/>
+          </p:nvPr>
+        </p:nvSpPr>
+        <p:spPr/>
+        <p:txBody>
+          <a:bodyPr/>
+          <a:lstStyle/>
+          <a:p>
+            <a:r>
+              <a:rPr lang="de-DE" dirty="0" smtClean="0"/>
+              <a:t>Klasse </a:t>
             </a:r>
             <a:r>
               <a:rPr lang="de-DE" dirty="0" err="1" smtClean="0"/>
-              <a:t>HttpHeader</a:t>
+              <a:t>IHttpModule</a:t>
+            </a:r>
+            <a:r>
+              <a:rPr lang="de-DE" dirty="0" smtClean="0"/>
+              <a:t>  Interface</a:t>
+            </a:r>
+          </a:p>
+          <a:p>
+            <a:r>
+              <a:rPr lang="de-DE" dirty="0" smtClean="0"/>
+              <a:t>Muss registriert werden</a:t>
             </a:r>
             <a:endParaRPr lang="de-DE" dirty="0"/>
-          </a:p>
-        </p:txBody>
-      </p:sp>
-      <p:sp>
-        <p:nvSpPr>
-          <p:cNvPr id="3" name="Inhaltsplatzhalter 2"/>
-          <p:cNvSpPr>
-            <a:spLocks noGrp="1"/>
-          </p:cNvSpPr>
-          <p:nvPr>
-            <p:ph idx="1"/>
-          </p:nvPr>
-        </p:nvSpPr>
-        <p:spPr/>
-        <p:txBody>
-          <a:bodyPr/>
-          <a:lstStyle/>
-          <a:p>
-            <a:endParaRPr lang="de-DE"/>
           </a:p>
         </p:txBody>
       </p:sp>
     </p:spTree>
     <p:extLst>
       <p:ext uri="{BB962C8B-B14F-4D97-AF65-F5344CB8AC3E}">
-        <p14:creationId xmlns:p14="http://schemas.microsoft.com/office/powerpoint/2010/main" val="93961153"/>
+        <p14:creationId xmlns:p14="http://schemas.microsoft.com/office/powerpoint/2010/main" val="3624984478"/>
       </p:ext>
     </p:extLst>
   </p:cSld>
@@ -3830,7 +3919,11 @@
           <a:p>
             <a:r>
               <a:rPr lang="de-DE" dirty="0" smtClean="0"/>
-              <a:t>Taschenrechner </a:t>
+              <a:t>Übung </a:t>
+            </a:r>
+            <a:r>
+              <a:rPr lang="de-DE" dirty="0" err="1" smtClean="0"/>
+              <a:t>HttpHeader</a:t>
             </a:r>
             <a:endParaRPr lang="de-DE" dirty="0"/>
           </a:p>
@@ -3858,7 +3951,7 @@
     </p:spTree>
     <p:extLst>
       <p:ext uri="{BB962C8B-B14F-4D97-AF65-F5344CB8AC3E}">
-        <p14:creationId xmlns:p14="http://schemas.microsoft.com/office/powerpoint/2010/main" val="2213818354"/>
+        <p14:creationId xmlns:p14="http://schemas.microsoft.com/office/powerpoint/2010/main" val="93961153"/>
       </p:ext>
     </p:extLst>
   </p:cSld>
